--- a/Construction/Presentation/Apresentação1.pptx
+++ b/Construction/Presentation/Apresentação1.pptx
@@ -137,14 +137,6 @@
     </p:ext>
   </p:extLst>
 </p:presentation>
-</file>
-
-<file path=ppt/revisionInfo.xml><?xml version="1.0" encoding="utf-8"?>
-<p1510:revInfo xmlns:a="http://schemas.openxmlformats.org/drawingml/2006/main" xmlns:r="http://schemas.openxmlformats.org/officeDocument/2006/relationships" xmlns:p1510="http://schemas.microsoft.com/office/powerpoint/2015/10/main">
-  <p1510:revLst>
-    <p1510:client id="{A1071A09-A8BC-CE4A-AF6F-3390D23C1D1B}" v="138" dt="2021-04-23T01:11:05.997"/>
-  </p1510:revLst>
-</p1510:revInfo>
 </file>
 
 <file path=ppt/changesInfos/changesInfo1.xml><?xml version="1.0" encoding="utf-8"?>
@@ -1684,7 +1676,7 @@
           <a:p>
             <a:fld id="{D59F6DB9-19B6-9344-9619-829795DECC53}" type="datetimeFigureOut">
               <a:rPr lang="pt-BR" smtClean="0"/>
-              <a:t>22/04/2021</a:t>
+              <a:t>29/06/2021</a:t>
             </a:fld>
             <a:endParaRPr lang="pt-BR"/>
           </a:p>
@@ -4329,7 +4321,7 @@
           <a:p>
             <a:fld id="{6B93C0F2-33F7-2143-8149-03293D7BE28D}" type="datetimeFigureOut">
               <a:rPr lang="pt-BR" smtClean="0"/>
-              <a:t>22/04/2021</a:t>
+              <a:t>29/06/2021</a:t>
             </a:fld>
             <a:endParaRPr lang="pt-BR"/>
           </a:p>
@@ -4527,7 +4519,7 @@
           <a:p>
             <a:fld id="{6B93C0F2-33F7-2143-8149-03293D7BE28D}" type="datetimeFigureOut">
               <a:rPr lang="pt-BR" smtClean="0"/>
-              <a:t>22/04/2021</a:t>
+              <a:t>29/06/2021</a:t>
             </a:fld>
             <a:endParaRPr lang="pt-BR"/>
           </a:p>
@@ -4735,7 +4727,7 @@
           <a:p>
             <a:fld id="{6B93C0F2-33F7-2143-8149-03293D7BE28D}" type="datetimeFigureOut">
               <a:rPr lang="pt-BR" smtClean="0"/>
-              <a:t>22/04/2021</a:t>
+              <a:t>29/06/2021</a:t>
             </a:fld>
             <a:endParaRPr lang="pt-BR"/>
           </a:p>
@@ -4933,7 +4925,7 @@
           <a:p>
             <a:fld id="{6B93C0F2-33F7-2143-8149-03293D7BE28D}" type="datetimeFigureOut">
               <a:rPr lang="pt-BR" smtClean="0"/>
-              <a:t>22/04/2021</a:t>
+              <a:t>29/06/2021</a:t>
             </a:fld>
             <a:endParaRPr lang="pt-BR"/>
           </a:p>
@@ -5208,7 +5200,7 @@
           <a:p>
             <a:fld id="{6B93C0F2-33F7-2143-8149-03293D7BE28D}" type="datetimeFigureOut">
               <a:rPr lang="pt-BR" smtClean="0"/>
-              <a:t>22/04/2021</a:t>
+              <a:t>29/06/2021</a:t>
             </a:fld>
             <a:endParaRPr lang="pt-BR"/>
           </a:p>
@@ -5473,7 +5465,7 @@
           <a:p>
             <a:fld id="{6B93C0F2-33F7-2143-8149-03293D7BE28D}" type="datetimeFigureOut">
               <a:rPr lang="pt-BR" smtClean="0"/>
-              <a:t>22/04/2021</a:t>
+              <a:t>29/06/2021</a:t>
             </a:fld>
             <a:endParaRPr lang="pt-BR"/>
           </a:p>
@@ -5885,7 +5877,7 @@
           <a:p>
             <a:fld id="{6B93C0F2-33F7-2143-8149-03293D7BE28D}" type="datetimeFigureOut">
               <a:rPr lang="pt-BR" smtClean="0"/>
-              <a:t>22/04/2021</a:t>
+              <a:t>29/06/2021</a:t>
             </a:fld>
             <a:endParaRPr lang="pt-BR"/>
           </a:p>
@@ -6026,7 +6018,7 @@
           <a:p>
             <a:fld id="{6B93C0F2-33F7-2143-8149-03293D7BE28D}" type="datetimeFigureOut">
               <a:rPr lang="pt-BR" smtClean="0"/>
-              <a:t>22/04/2021</a:t>
+              <a:t>29/06/2021</a:t>
             </a:fld>
             <a:endParaRPr lang="pt-BR"/>
           </a:p>
@@ -6139,7 +6131,7 @@
           <a:p>
             <a:fld id="{6B93C0F2-33F7-2143-8149-03293D7BE28D}" type="datetimeFigureOut">
               <a:rPr lang="pt-BR" smtClean="0"/>
-              <a:t>22/04/2021</a:t>
+              <a:t>29/06/2021</a:t>
             </a:fld>
             <a:endParaRPr lang="pt-BR"/>
           </a:p>
@@ -6450,7 +6442,7 @@
           <a:p>
             <a:fld id="{6B93C0F2-33F7-2143-8149-03293D7BE28D}" type="datetimeFigureOut">
               <a:rPr lang="pt-BR" smtClean="0"/>
-              <a:t>22/04/2021</a:t>
+              <a:t>29/06/2021</a:t>
             </a:fld>
             <a:endParaRPr lang="pt-BR"/>
           </a:p>
@@ -6738,7 +6730,7 @@
           <a:p>
             <a:fld id="{6B93C0F2-33F7-2143-8149-03293D7BE28D}" type="datetimeFigureOut">
               <a:rPr lang="pt-BR" smtClean="0"/>
-              <a:t>22/04/2021</a:t>
+              <a:t>29/06/2021</a:t>
             </a:fld>
             <a:endParaRPr lang="pt-BR"/>
           </a:p>
@@ -6979,7 +6971,7 @@
           <a:p>
             <a:fld id="{6B93C0F2-33F7-2143-8149-03293D7BE28D}" type="datetimeFigureOut">
               <a:rPr lang="pt-BR" smtClean="0"/>
-              <a:t>22/04/2021</a:t>
+              <a:t>29/06/2021</a:t>
             </a:fld>
             <a:endParaRPr lang="pt-BR"/>
           </a:p>
